--- a/TechCareer Final Project.pptx
+++ b/TechCareer Final Project.pptx
@@ -7,8 +7,22 @@
   <p:sldIdLst>
     <p:sldId id="256" r:id="rId2"/>
     <p:sldId id="257" r:id="rId3"/>
-    <p:sldId id="258" r:id="rId4"/>
-    <p:sldId id="259" r:id="rId5"/>
+    <p:sldId id="259" r:id="rId4"/>
+    <p:sldId id="260" r:id="rId5"/>
+    <p:sldId id="261" r:id="rId6"/>
+    <p:sldId id="262" r:id="rId7"/>
+    <p:sldId id="268" r:id="rId8"/>
+    <p:sldId id="263" r:id="rId9"/>
+    <p:sldId id="264" r:id="rId10"/>
+    <p:sldId id="265" r:id="rId11"/>
+    <p:sldId id="266" r:id="rId12"/>
+    <p:sldId id="267" r:id="rId13"/>
+    <p:sldId id="269" r:id="rId14"/>
+    <p:sldId id="270" r:id="rId15"/>
+    <p:sldId id="272" r:id="rId16"/>
+    <p:sldId id="273" r:id="rId17"/>
+    <p:sldId id="258" r:id="rId18"/>
+    <p:sldId id="271" r:id="rId19"/>
   </p:sldIdLst>
   <p:sldSz cx="12192000" cy="6858000"/>
   <p:notesSz cx="6858000" cy="9144000"/>
@@ -107,6 +121,11 @@
       </a:defRPr>
     </a:lvl9pPr>
   </p:defaultTextStyle>
+  <p:extLst>
+    <p:ext uri="{EFAFB233-063F-42B5-8137-9DF3F51BA10A}">
+      <p15:sldGuideLst xmlns:p15="http://schemas.microsoft.com/office/powerpoint/2012/main"/>
+    </p:ext>
+  </p:extLst>
 </p:presentation>
 </file>
 
@@ -279,7 +298,7 @@
           <a:p>
             <a:fld id="{46CC5DBB-6DEF-4702-B715-9F1211D408BF}" type="datetimeFigureOut">
               <a:rPr lang="tr-TR" smtClean="0"/>
-              <a:t>1 Eyl 2023</a:t>
+              <a:t>2 Eyl 2023</a:t>
             </a:fld>
             <a:endParaRPr lang="tr-TR"/>
           </a:p>
@@ -609,7 +628,7 @@
           <a:p>
             <a:fld id="{46CC5DBB-6DEF-4702-B715-9F1211D408BF}" type="datetimeFigureOut">
               <a:rPr lang="tr-TR" smtClean="0"/>
-              <a:t>1 Eyl 2023</a:t>
+              <a:t>2 Eyl 2023</a:t>
             </a:fld>
             <a:endParaRPr lang="tr-TR"/>
           </a:p>
@@ -789,7 +808,7 @@
           <a:p>
             <a:fld id="{46CC5DBB-6DEF-4702-B715-9F1211D408BF}" type="datetimeFigureOut">
               <a:rPr lang="tr-TR" smtClean="0"/>
-              <a:t>1 Eyl 2023</a:t>
+              <a:t>2 Eyl 2023</a:t>
             </a:fld>
             <a:endParaRPr lang="tr-TR"/>
           </a:p>
@@ -959,7 +978,7 @@
           <a:p>
             <a:fld id="{46CC5DBB-6DEF-4702-B715-9F1211D408BF}" type="datetimeFigureOut">
               <a:rPr lang="tr-TR" smtClean="0"/>
-              <a:t>1 Eyl 2023</a:t>
+              <a:t>2 Eyl 2023</a:t>
             </a:fld>
             <a:endParaRPr lang="tr-TR"/>
           </a:p>
@@ -1236,7 +1255,7 @@
           <a:p>
             <a:fld id="{46CC5DBB-6DEF-4702-B715-9F1211D408BF}" type="datetimeFigureOut">
               <a:rPr lang="tr-TR" smtClean="0"/>
-              <a:t>1 Eyl 2023</a:t>
+              <a:t>2 Eyl 2023</a:t>
             </a:fld>
             <a:endParaRPr lang="tr-TR"/>
           </a:p>
@@ -1630,7 +1649,7 @@
           <a:p>
             <a:fld id="{46CC5DBB-6DEF-4702-B715-9F1211D408BF}" type="datetimeFigureOut">
               <a:rPr lang="tr-TR" smtClean="0"/>
-              <a:t>1 Eyl 2023</a:t>
+              <a:t>2 Eyl 2023</a:t>
             </a:fld>
             <a:endParaRPr lang="tr-TR"/>
           </a:p>
@@ -2107,7 +2126,7 @@
           <a:p>
             <a:fld id="{46CC5DBB-6DEF-4702-B715-9F1211D408BF}" type="datetimeFigureOut">
               <a:rPr lang="tr-TR" smtClean="0"/>
-              <a:t>1 Eyl 2023</a:t>
+              <a:t>2 Eyl 2023</a:t>
             </a:fld>
             <a:endParaRPr lang="tr-TR"/>
           </a:p>
@@ -2225,7 +2244,7 @@
           <a:p>
             <a:fld id="{46CC5DBB-6DEF-4702-B715-9F1211D408BF}" type="datetimeFigureOut">
               <a:rPr lang="tr-TR" smtClean="0"/>
-              <a:t>1 Eyl 2023</a:t>
+              <a:t>2 Eyl 2023</a:t>
             </a:fld>
             <a:endParaRPr lang="tr-TR"/>
           </a:p>
@@ -2320,7 +2339,7 @@
           <a:p>
             <a:fld id="{46CC5DBB-6DEF-4702-B715-9F1211D408BF}" type="datetimeFigureOut">
               <a:rPr lang="tr-TR" smtClean="0"/>
-              <a:t>1 Eyl 2023</a:t>
+              <a:t>2 Eyl 2023</a:t>
             </a:fld>
             <a:endParaRPr lang="tr-TR"/>
           </a:p>
@@ -2666,7 +2685,7 @@
           <a:p>
             <a:fld id="{46CC5DBB-6DEF-4702-B715-9F1211D408BF}" type="datetimeFigureOut">
               <a:rPr lang="tr-TR" smtClean="0"/>
-              <a:t>1 Eyl 2023</a:t>
+              <a:t>2 Eyl 2023</a:t>
             </a:fld>
             <a:endParaRPr lang="tr-TR"/>
           </a:p>
@@ -3054,7 +3073,7 @@
           <a:p>
             <a:fld id="{46CC5DBB-6DEF-4702-B715-9F1211D408BF}" type="datetimeFigureOut">
               <a:rPr lang="tr-TR" smtClean="0"/>
-              <a:t>1 Eyl 2023</a:t>
+              <a:t>2 Eyl 2023</a:t>
             </a:fld>
             <a:endParaRPr lang="tr-TR"/>
           </a:p>
@@ -3332,7 +3351,7 @@
           <a:p>
             <a:fld id="{46CC5DBB-6DEF-4702-B715-9F1211D408BF}" type="datetimeFigureOut">
               <a:rPr lang="tr-TR" smtClean="0"/>
-              <a:t>1 Eyl 2023</a:t>
+              <a:t>2 Eyl 2023</a:t>
             </a:fld>
             <a:endParaRPr lang="tr-TR"/>
           </a:p>
@@ -3932,6 +3951,724 @@
 </p:sld>
 </file>
 
+<file path=ppt/slides/slide10.xml><?xml version="1.0" encoding="utf-8"?>
+<p:sld xmlns:a="http://schemas.openxmlformats.org/drawingml/2006/main" xmlns:r="http://schemas.openxmlformats.org/officeDocument/2006/relationships" xmlns:p="http://schemas.openxmlformats.org/presentationml/2006/main">
+  <p:cSld>
+    <p:spTree>
+      <p:nvGrpSpPr>
+        <p:cNvPr id="1" name=""/>
+        <p:cNvGrpSpPr/>
+        <p:nvPr/>
+      </p:nvGrpSpPr>
+      <p:grpSpPr>
+        <a:xfrm>
+          <a:off x="0" y="0"/>
+          <a:ext cx="0" cy="0"/>
+          <a:chOff x="0" y="0"/>
+          <a:chExt cx="0" cy="0"/>
+        </a:xfrm>
+      </p:grpSpPr>
+      <p:sp>
+        <p:nvSpPr>
+          <p:cNvPr id="2" name="Başlık 1">
+            <a:extLst>
+              <a:ext uri="{FF2B5EF4-FFF2-40B4-BE49-F238E27FC236}">
+                <a16:creationId xmlns:a16="http://schemas.microsoft.com/office/drawing/2014/main" id="{9BA0FA5E-CD95-EBBD-6060-5E85B1A8189B}"/>
+              </a:ext>
+            </a:extLst>
+          </p:cNvPr>
+          <p:cNvSpPr>
+            <a:spLocks noGrp="1"/>
+          </p:cNvSpPr>
+          <p:nvPr>
+            <p:ph type="title"/>
+          </p:nvPr>
+        </p:nvSpPr>
+        <p:spPr/>
+        <p:txBody>
+          <a:bodyPr/>
+          <a:lstStyle/>
+          <a:p>
+            <a:endParaRPr lang="tr-TR"/>
+          </a:p>
+        </p:txBody>
+      </p:sp>
+      <p:pic>
+        <p:nvPicPr>
+          <p:cNvPr id="5" name="İçerik Yer Tutucusu 4">
+            <a:extLst>
+              <a:ext uri="{FF2B5EF4-FFF2-40B4-BE49-F238E27FC236}">
+                <a16:creationId xmlns:a16="http://schemas.microsoft.com/office/drawing/2014/main" id="{99DCA07F-B55F-E566-D20E-268B160FBEAA}"/>
+              </a:ext>
+            </a:extLst>
+          </p:cNvPr>
+          <p:cNvPicPr>
+            <a:picLocks noGrp="1" noChangeAspect="1"/>
+          </p:cNvPicPr>
+          <p:nvPr>
+            <p:ph idx="1"/>
+          </p:nvPr>
+        </p:nvPicPr>
+        <p:blipFill>
+          <a:blip r:embed="rId2"/>
+          <a:stretch>
+            <a:fillRect/>
+          </a:stretch>
+        </p:blipFill>
+        <p:spPr>
+          <a:xfrm>
+            <a:off x="2338654" y="415211"/>
+            <a:ext cx="7514691" cy="6190861"/>
+          </a:xfrm>
+        </p:spPr>
+      </p:pic>
+    </p:spTree>
+    <p:extLst>
+      <p:ext uri="{BB962C8B-B14F-4D97-AF65-F5344CB8AC3E}">
+        <p14:creationId xmlns:p14="http://schemas.microsoft.com/office/powerpoint/2010/main" val="2042583764"/>
+      </p:ext>
+    </p:extLst>
+  </p:cSld>
+  <p:clrMapOvr>
+    <a:masterClrMapping/>
+  </p:clrMapOvr>
+</p:sld>
+</file>
+
+<file path=ppt/slides/slide11.xml><?xml version="1.0" encoding="utf-8"?>
+<p:sld xmlns:a="http://schemas.openxmlformats.org/drawingml/2006/main" xmlns:r="http://schemas.openxmlformats.org/officeDocument/2006/relationships" xmlns:p="http://schemas.openxmlformats.org/presentationml/2006/main">
+  <p:cSld>
+    <p:spTree>
+      <p:nvGrpSpPr>
+        <p:cNvPr id="1" name=""/>
+        <p:cNvGrpSpPr/>
+        <p:nvPr/>
+      </p:nvGrpSpPr>
+      <p:grpSpPr>
+        <a:xfrm>
+          <a:off x="0" y="0"/>
+          <a:ext cx="0" cy="0"/>
+          <a:chOff x="0" y="0"/>
+          <a:chExt cx="0" cy="0"/>
+        </a:xfrm>
+      </p:grpSpPr>
+      <p:sp>
+        <p:nvSpPr>
+          <p:cNvPr id="2" name="Başlık 1">
+            <a:extLst>
+              <a:ext uri="{FF2B5EF4-FFF2-40B4-BE49-F238E27FC236}">
+                <a16:creationId xmlns:a16="http://schemas.microsoft.com/office/drawing/2014/main" id="{9B64405A-2B30-40D6-A7A1-C12A635170D8}"/>
+              </a:ext>
+            </a:extLst>
+          </p:cNvPr>
+          <p:cNvSpPr>
+            <a:spLocks noGrp="1"/>
+          </p:cNvSpPr>
+          <p:nvPr>
+            <p:ph type="title"/>
+          </p:nvPr>
+        </p:nvSpPr>
+        <p:spPr>
+          <a:xfrm>
+            <a:off x="1295400" y="737159"/>
+            <a:ext cx="9601200" cy="1485900"/>
+          </a:xfrm>
+        </p:spPr>
+        <p:txBody>
+          <a:bodyPr/>
+          <a:lstStyle/>
+          <a:p>
+            <a:r>
+              <a:rPr lang="tr-TR" dirty="0"/>
+              <a:t>Controller</a:t>
+            </a:r>
+          </a:p>
+        </p:txBody>
+      </p:sp>
+      <p:pic>
+        <p:nvPicPr>
+          <p:cNvPr id="9" name="İçerik Yer Tutucusu 8">
+            <a:extLst>
+              <a:ext uri="{FF2B5EF4-FFF2-40B4-BE49-F238E27FC236}">
+                <a16:creationId xmlns:a16="http://schemas.microsoft.com/office/drawing/2014/main" id="{F9B3D6CC-F798-30E2-B4F8-812BA662DEB7}"/>
+              </a:ext>
+            </a:extLst>
+          </p:cNvPr>
+          <p:cNvPicPr>
+            <a:picLocks noGrp="1" noChangeAspect="1"/>
+          </p:cNvPicPr>
+          <p:nvPr>
+            <p:ph idx="1"/>
+          </p:nvPr>
+        </p:nvPicPr>
+        <p:blipFill>
+          <a:blip r:embed="rId2"/>
+          <a:stretch>
+            <a:fillRect/>
+          </a:stretch>
+        </p:blipFill>
+        <p:spPr>
+          <a:xfrm>
+            <a:off x="2695660" y="1763485"/>
+            <a:ext cx="6516183" cy="4152081"/>
+          </a:xfrm>
+        </p:spPr>
+      </p:pic>
+    </p:spTree>
+    <p:extLst>
+      <p:ext uri="{BB962C8B-B14F-4D97-AF65-F5344CB8AC3E}">
+        <p14:creationId xmlns:p14="http://schemas.microsoft.com/office/powerpoint/2010/main" val="3635210923"/>
+      </p:ext>
+    </p:extLst>
+  </p:cSld>
+  <p:clrMapOvr>
+    <a:masterClrMapping/>
+  </p:clrMapOvr>
+</p:sld>
+</file>
+
+<file path=ppt/slides/slide12.xml><?xml version="1.0" encoding="utf-8"?>
+<p:sld xmlns:a="http://schemas.openxmlformats.org/drawingml/2006/main" xmlns:r="http://schemas.openxmlformats.org/officeDocument/2006/relationships" xmlns:p="http://schemas.openxmlformats.org/presentationml/2006/main">
+  <p:cSld>
+    <p:spTree>
+      <p:nvGrpSpPr>
+        <p:cNvPr id="1" name=""/>
+        <p:cNvGrpSpPr/>
+        <p:nvPr/>
+      </p:nvGrpSpPr>
+      <p:grpSpPr>
+        <a:xfrm>
+          <a:off x="0" y="0"/>
+          <a:ext cx="0" cy="0"/>
+          <a:chOff x="0" y="0"/>
+          <a:chExt cx="0" cy="0"/>
+        </a:xfrm>
+      </p:grpSpPr>
+      <p:sp>
+        <p:nvSpPr>
+          <p:cNvPr id="2" name="Başlık 1">
+            <a:extLst>
+              <a:ext uri="{FF2B5EF4-FFF2-40B4-BE49-F238E27FC236}">
+                <a16:creationId xmlns:a16="http://schemas.microsoft.com/office/drawing/2014/main" id="{46365C9E-C511-AE9A-2476-FBAF340AF982}"/>
+              </a:ext>
+            </a:extLst>
+          </p:cNvPr>
+          <p:cNvSpPr>
+            <a:spLocks noGrp="1"/>
+          </p:cNvSpPr>
+          <p:nvPr>
+            <p:ph type="title"/>
+          </p:nvPr>
+        </p:nvSpPr>
+        <p:spPr/>
+        <p:txBody>
+          <a:bodyPr/>
+          <a:lstStyle/>
+          <a:p>
+            <a:endParaRPr lang="tr-TR"/>
+          </a:p>
+        </p:txBody>
+      </p:sp>
+      <p:pic>
+        <p:nvPicPr>
+          <p:cNvPr id="6" name="İçerik Yer Tutucusu 4">
+            <a:extLst>
+              <a:ext uri="{FF2B5EF4-FFF2-40B4-BE49-F238E27FC236}">
+                <a16:creationId xmlns:a16="http://schemas.microsoft.com/office/drawing/2014/main" id="{6401D672-81D8-82E9-562F-F15AA04D06DB}"/>
+              </a:ext>
+            </a:extLst>
+          </p:cNvPr>
+          <p:cNvPicPr>
+            <a:picLocks noGrp="1" noChangeAspect="1"/>
+          </p:cNvPicPr>
+          <p:nvPr>
+            <p:ph idx="1"/>
+          </p:nvPr>
+        </p:nvPicPr>
+        <p:blipFill>
+          <a:blip r:embed="rId2"/>
+          <a:stretch>
+            <a:fillRect/>
+          </a:stretch>
+        </p:blipFill>
+        <p:spPr>
+          <a:xfrm>
+            <a:off x="1626385" y="272074"/>
+            <a:ext cx="8939230" cy="6313852"/>
+          </a:xfrm>
+        </p:spPr>
+      </p:pic>
+    </p:spTree>
+    <p:extLst>
+      <p:ext uri="{BB962C8B-B14F-4D97-AF65-F5344CB8AC3E}">
+        <p14:creationId xmlns:p14="http://schemas.microsoft.com/office/powerpoint/2010/main" val="2771865009"/>
+      </p:ext>
+    </p:extLst>
+  </p:cSld>
+  <p:clrMapOvr>
+    <a:masterClrMapping/>
+  </p:clrMapOvr>
+</p:sld>
+</file>
+
+<file path=ppt/slides/slide13.xml><?xml version="1.0" encoding="utf-8"?>
+<p:sld xmlns:a="http://schemas.openxmlformats.org/drawingml/2006/main" xmlns:r="http://schemas.openxmlformats.org/officeDocument/2006/relationships" xmlns:p="http://schemas.openxmlformats.org/presentationml/2006/main">
+  <p:cSld>
+    <p:spTree>
+      <p:nvGrpSpPr>
+        <p:cNvPr id="1" name=""/>
+        <p:cNvGrpSpPr/>
+        <p:nvPr/>
+      </p:nvGrpSpPr>
+      <p:grpSpPr>
+        <a:xfrm>
+          <a:off x="0" y="0"/>
+          <a:ext cx="0" cy="0"/>
+          <a:chOff x="0" y="0"/>
+          <a:chExt cx="0" cy="0"/>
+        </a:xfrm>
+      </p:grpSpPr>
+      <p:pic>
+        <p:nvPicPr>
+          <p:cNvPr id="5" name="İçerik Yer Tutucusu 4">
+            <a:extLst>
+              <a:ext uri="{FF2B5EF4-FFF2-40B4-BE49-F238E27FC236}">
+                <a16:creationId xmlns:a16="http://schemas.microsoft.com/office/drawing/2014/main" id="{6A96EE84-B7BC-FF16-A5AE-9226906FD375}"/>
+              </a:ext>
+            </a:extLst>
+          </p:cNvPr>
+          <p:cNvPicPr>
+            <a:picLocks noGrp="1" noChangeAspect="1"/>
+          </p:cNvPicPr>
+          <p:nvPr>
+            <p:ph idx="1"/>
+          </p:nvPr>
+        </p:nvPicPr>
+        <p:blipFill>
+          <a:blip r:embed="rId2"/>
+          <a:stretch>
+            <a:fillRect/>
+          </a:stretch>
+        </p:blipFill>
+        <p:spPr>
+          <a:xfrm>
+            <a:off x="1153886" y="1194318"/>
+            <a:ext cx="10569060" cy="4469363"/>
+          </a:xfrm>
+        </p:spPr>
+      </p:pic>
+    </p:spTree>
+    <p:extLst>
+      <p:ext uri="{BB962C8B-B14F-4D97-AF65-F5344CB8AC3E}">
+        <p14:creationId xmlns:p14="http://schemas.microsoft.com/office/powerpoint/2010/main" val="2360965567"/>
+      </p:ext>
+    </p:extLst>
+  </p:cSld>
+  <p:clrMapOvr>
+    <a:masterClrMapping/>
+  </p:clrMapOvr>
+</p:sld>
+</file>
+
+<file path=ppt/slides/slide14.xml><?xml version="1.0" encoding="utf-8"?>
+<p:sld xmlns:a="http://schemas.openxmlformats.org/drawingml/2006/main" xmlns:r="http://schemas.openxmlformats.org/officeDocument/2006/relationships" xmlns:p="http://schemas.openxmlformats.org/presentationml/2006/main">
+  <p:cSld>
+    <p:spTree>
+      <p:nvGrpSpPr>
+        <p:cNvPr id="1" name=""/>
+        <p:cNvGrpSpPr/>
+        <p:nvPr/>
+      </p:nvGrpSpPr>
+      <p:grpSpPr>
+        <a:xfrm>
+          <a:off x="0" y="0"/>
+          <a:ext cx="0" cy="0"/>
+          <a:chOff x="0" y="0"/>
+          <a:chExt cx="0" cy="0"/>
+        </a:xfrm>
+      </p:grpSpPr>
+      <p:pic>
+        <p:nvPicPr>
+          <p:cNvPr id="5" name="İçerik Yer Tutucusu 4">
+            <a:extLst>
+              <a:ext uri="{FF2B5EF4-FFF2-40B4-BE49-F238E27FC236}">
+                <a16:creationId xmlns:a16="http://schemas.microsoft.com/office/drawing/2014/main" id="{4F28AD49-ADAA-89C7-48EB-B740D4395988}"/>
+              </a:ext>
+            </a:extLst>
+          </p:cNvPr>
+          <p:cNvPicPr>
+            <a:picLocks noGrp="1" noChangeAspect="1"/>
+          </p:cNvPicPr>
+          <p:nvPr>
+            <p:ph idx="1"/>
+          </p:nvPr>
+        </p:nvPicPr>
+        <p:blipFill>
+          <a:blip r:embed="rId2"/>
+          <a:stretch>
+            <a:fillRect/>
+          </a:stretch>
+        </p:blipFill>
+        <p:spPr>
+          <a:xfrm>
+            <a:off x="2068285" y="397639"/>
+            <a:ext cx="8055429" cy="6062722"/>
+          </a:xfrm>
+        </p:spPr>
+      </p:pic>
+    </p:spTree>
+    <p:extLst>
+      <p:ext uri="{BB962C8B-B14F-4D97-AF65-F5344CB8AC3E}">
+        <p14:creationId xmlns:p14="http://schemas.microsoft.com/office/powerpoint/2010/main" val="2762542249"/>
+      </p:ext>
+    </p:extLst>
+  </p:cSld>
+  <p:clrMapOvr>
+    <a:masterClrMapping/>
+  </p:clrMapOvr>
+</p:sld>
+</file>
+
+<file path=ppt/slides/slide15.xml><?xml version="1.0" encoding="utf-8"?>
+<p:sld xmlns:a="http://schemas.openxmlformats.org/drawingml/2006/main" xmlns:r="http://schemas.openxmlformats.org/officeDocument/2006/relationships" xmlns:p="http://schemas.openxmlformats.org/presentationml/2006/main">
+  <p:cSld>
+    <p:spTree>
+      <p:nvGrpSpPr>
+        <p:cNvPr id="1" name=""/>
+        <p:cNvGrpSpPr/>
+        <p:nvPr/>
+      </p:nvGrpSpPr>
+      <p:grpSpPr>
+        <a:xfrm>
+          <a:off x="0" y="0"/>
+          <a:ext cx="0" cy="0"/>
+          <a:chOff x="0" y="0"/>
+          <a:chExt cx="0" cy="0"/>
+        </a:xfrm>
+      </p:grpSpPr>
+      <p:sp>
+        <p:nvSpPr>
+          <p:cNvPr id="2" name="Başlık 1">
+            <a:extLst>
+              <a:ext uri="{FF2B5EF4-FFF2-40B4-BE49-F238E27FC236}">
+                <a16:creationId xmlns:a16="http://schemas.microsoft.com/office/drawing/2014/main" id="{44C0A252-2E3C-F22B-6E4A-585741ADBF1F}"/>
+              </a:ext>
+            </a:extLst>
+          </p:cNvPr>
+          <p:cNvSpPr>
+            <a:spLocks noGrp="1"/>
+          </p:cNvSpPr>
+          <p:nvPr>
+            <p:ph type="title"/>
+          </p:nvPr>
+        </p:nvSpPr>
+        <p:spPr>
+          <a:xfrm>
+            <a:off x="1020160" y="303245"/>
+            <a:ext cx="9601200" cy="1485900"/>
+          </a:xfrm>
+        </p:spPr>
+        <p:txBody>
+          <a:bodyPr/>
+          <a:lstStyle/>
+          <a:p>
+            <a:r>
+              <a:rPr lang="tr-TR" dirty="0"/>
+              <a:t>H2DB - TEST</a:t>
+            </a:r>
+          </a:p>
+        </p:txBody>
+      </p:sp>
+      <p:pic>
+        <p:nvPicPr>
+          <p:cNvPr id="5" name="İçerik Yer Tutucusu 4">
+            <a:extLst>
+              <a:ext uri="{FF2B5EF4-FFF2-40B4-BE49-F238E27FC236}">
+                <a16:creationId xmlns:a16="http://schemas.microsoft.com/office/drawing/2014/main" id="{1236F347-729B-2F60-236A-D4BB852DAE1F}"/>
+              </a:ext>
+            </a:extLst>
+          </p:cNvPr>
+          <p:cNvPicPr>
+            <a:picLocks noGrp="1" noChangeAspect="1"/>
+          </p:cNvPicPr>
+          <p:nvPr>
+            <p:ph idx="1"/>
+          </p:nvPr>
+        </p:nvPicPr>
+        <p:blipFill>
+          <a:blip r:embed="rId2"/>
+          <a:stretch>
+            <a:fillRect/>
+          </a:stretch>
+        </p:blipFill>
+        <p:spPr>
+          <a:xfrm>
+            <a:off x="1284094" y="1162079"/>
+            <a:ext cx="9990382" cy="5392676"/>
+          </a:xfrm>
+        </p:spPr>
+      </p:pic>
+    </p:spTree>
+    <p:extLst>
+      <p:ext uri="{BB962C8B-B14F-4D97-AF65-F5344CB8AC3E}">
+        <p14:creationId xmlns:p14="http://schemas.microsoft.com/office/powerpoint/2010/main" val="199570200"/>
+      </p:ext>
+    </p:extLst>
+  </p:cSld>
+  <p:clrMapOvr>
+    <a:masterClrMapping/>
+  </p:clrMapOvr>
+</p:sld>
+</file>
+
+<file path=ppt/slides/slide16.xml><?xml version="1.0" encoding="utf-8"?>
+<p:sld xmlns:a="http://schemas.openxmlformats.org/drawingml/2006/main" xmlns:r="http://schemas.openxmlformats.org/officeDocument/2006/relationships" xmlns:p="http://schemas.openxmlformats.org/presentationml/2006/main">
+  <p:cSld>
+    <p:spTree>
+      <p:nvGrpSpPr>
+        <p:cNvPr id="1" name=""/>
+        <p:cNvGrpSpPr/>
+        <p:nvPr/>
+      </p:nvGrpSpPr>
+      <p:grpSpPr>
+        <a:xfrm>
+          <a:off x="0" y="0"/>
+          <a:ext cx="0" cy="0"/>
+          <a:chOff x="0" y="0"/>
+          <a:chExt cx="0" cy="0"/>
+        </a:xfrm>
+      </p:grpSpPr>
+      <p:sp>
+        <p:nvSpPr>
+          <p:cNvPr id="2" name="Başlık 1">
+            <a:extLst>
+              <a:ext uri="{FF2B5EF4-FFF2-40B4-BE49-F238E27FC236}">
+                <a16:creationId xmlns:a16="http://schemas.microsoft.com/office/drawing/2014/main" id="{7A761B36-AF6B-366A-854F-EE681D632B46}"/>
+              </a:ext>
+            </a:extLst>
+          </p:cNvPr>
+          <p:cNvSpPr>
+            <a:spLocks noGrp="1"/>
+          </p:cNvSpPr>
+          <p:nvPr>
+            <p:ph type="title"/>
+          </p:nvPr>
+        </p:nvSpPr>
+        <p:spPr>
+          <a:xfrm>
+            <a:off x="1054360" y="536510"/>
+            <a:ext cx="5570375" cy="1485900"/>
+          </a:xfrm>
+        </p:spPr>
+        <p:txBody>
+          <a:bodyPr/>
+          <a:lstStyle/>
+          <a:p>
+            <a:r>
+              <a:rPr lang="tr-TR" dirty="0"/>
+              <a:t>MySQL </a:t>
+            </a:r>
+            <a:r>
+              <a:rPr lang="tr-TR" dirty="0" err="1"/>
+              <a:t>Table</a:t>
+            </a:r>
+            <a:r>
+              <a:rPr lang="tr-TR" dirty="0"/>
+              <a:t> ve Query</a:t>
+            </a:r>
+          </a:p>
+        </p:txBody>
+      </p:sp>
+      <p:pic>
+        <p:nvPicPr>
+          <p:cNvPr id="5" name="İçerik Yer Tutucusu 4">
+            <a:extLst>
+              <a:ext uri="{FF2B5EF4-FFF2-40B4-BE49-F238E27FC236}">
+                <a16:creationId xmlns:a16="http://schemas.microsoft.com/office/drawing/2014/main" id="{D1BB6B86-692D-E745-A82C-F725FE4CE475}"/>
+              </a:ext>
+            </a:extLst>
+          </p:cNvPr>
+          <p:cNvPicPr>
+            <a:picLocks noGrp="1" noChangeAspect="1"/>
+          </p:cNvPicPr>
+          <p:nvPr>
+            <p:ph idx="1"/>
+          </p:nvPr>
+        </p:nvPicPr>
+        <p:blipFill>
+          <a:blip r:embed="rId2"/>
+          <a:stretch>
+            <a:fillRect/>
+          </a:stretch>
+        </p:blipFill>
+        <p:spPr>
+          <a:xfrm>
+            <a:off x="1521904" y="2657193"/>
+            <a:ext cx="2172003" cy="2029108"/>
+          </a:xfrm>
+        </p:spPr>
+      </p:pic>
+      <p:pic>
+        <p:nvPicPr>
+          <p:cNvPr id="7" name="Resim 6">
+            <a:extLst>
+              <a:ext uri="{FF2B5EF4-FFF2-40B4-BE49-F238E27FC236}">
+                <a16:creationId xmlns:a16="http://schemas.microsoft.com/office/drawing/2014/main" id="{4D1BF044-DC6B-0201-76E2-4F4BDE006A87}"/>
+              </a:ext>
+            </a:extLst>
+          </p:cNvPr>
+          <p:cNvPicPr>
+            <a:picLocks noChangeAspect="1"/>
+          </p:cNvPicPr>
+          <p:nvPr/>
+        </p:nvPicPr>
+        <p:blipFill>
+          <a:blip r:embed="rId3"/>
+          <a:stretch>
+            <a:fillRect/>
+          </a:stretch>
+        </p:blipFill>
+        <p:spPr>
+          <a:xfrm>
+            <a:off x="6761434" y="192397"/>
+            <a:ext cx="4953691" cy="6249272"/>
+          </a:xfrm>
+          <a:prstGeom prst="rect">
+            <a:avLst/>
+          </a:prstGeom>
+        </p:spPr>
+      </p:pic>
+    </p:spTree>
+    <p:extLst>
+      <p:ext uri="{BB962C8B-B14F-4D97-AF65-F5344CB8AC3E}">
+        <p14:creationId xmlns:p14="http://schemas.microsoft.com/office/powerpoint/2010/main" val="3144111303"/>
+      </p:ext>
+    </p:extLst>
+  </p:cSld>
+  <p:clrMapOvr>
+    <a:masterClrMapping/>
+  </p:clrMapOvr>
+</p:sld>
+</file>
+
+<file path=ppt/slides/slide17.xml><?xml version="1.0" encoding="utf-8"?>
+<p:sld xmlns:a="http://schemas.openxmlformats.org/drawingml/2006/main" xmlns:r="http://schemas.openxmlformats.org/officeDocument/2006/relationships" xmlns:p="http://schemas.openxmlformats.org/presentationml/2006/main">
+  <p:cSld>
+    <p:spTree>
+      <p:nvGrpSpPr>
+        <p:cNvPr id="1" name=""/>
+        <p:cNvGrpSpPr/>
+        <p:nvPr/>
+      </p:nvGrpSpPr>
+      <p:grpSpPr>
+        <a:xfrm>
+          <a:off x="0" y="0"/>
+          <a:ext cx="0" cy="0"/>
+          <a:chOff x="0" y="0"/>
+          <a:chExt cx="0" cy="0"/>
+        </a:xfrm>
+      </p:grpSpPr>
+      <p:pic>
+        <p:nvPicPr>
+          <p:cNvPr id="5" name="İçerik Yer Tutucusu 4">
+            <a:extLst>
+              <a:ext uri="{FF2B5EF4-FFF2-40B4-BE49-F238E27FC236}">
+                <a16:creationId xmlns:a16="http://schemas.microsoft.com/office/drawing/2014/main" id="{B795BD3A-3B2D-192C-E83C-2FCFFC466921}"/>
+              </a:ext>
+            </a:extLst>
+          </p:cNvPr>
+          <p:cNvPicPr>
+            <a:picLocks noGrp="1" noChangeAspect="1"/>
+          </p:cNvPicPr>
+          <p:nvPr>
+            <p:ph idx="1"/>
+          </p:nvPr>
+        </p:nvPicPr>
+        <p:blipFill>
+          <a:blip r:embed="rId2"/>
+          <a:stretch>
+            <a:fillRect/>
+          </a:stretch>
+        </p:blipFill>
+        <p:spPr>
+          <a:xfrm>
+            <a:off x="872256" y="815996"/>
+            <a:ext cx="11061596" cy="5356204"/>
+          </a:xfrm>
+        </p:spPr>
+      </p:pic>
+    </p:spTree>
+    <p:extLst>
+      <p:ext uri="{BB962C8B-B14F-4D97-AF65-F5344CB8AC3E}">
+        <p14:creationId xmlns:p14="http://schemas.microsoft.com/office/powerpoint/2010/main" val="4288569160"/>
+      </p:ext>
+    </p:extLst>
+  </p:cSld>
+  <p:clrMapOvr>
+    <a:masterClrMapping/>
+  </p:clrMapOvr>
+</p:sld>
+</file>
+
+<file path=ppt/slides/slide18.xml><?xml version="1.0" encoding="utf-8"?>
+<p:sld xmlns:a="http://schemas.openxmlformats.org/drawingml/2006/main" xmlns:r="http://schemas.openxmlformats.org/officeDocument/2006/relationships" xmlns:p="http://schemas.openxmlformats.org/presentationml/2006/main">
+  <p:cSld>
+    <p:spTree>
+      <p:nvGrpSpPr>
+        <p:cNvPr id="1" name=""/>
+        <p:cNvGrpSpPr/>
+        <p:nvPr/>
+      </p:nvGrpSpPr>
+      <p:grpSpPr>
+        <a:xfrm>
+          <a:off x="0" y="0"/>
+          <a:ext cx="0" cy="0"/>
+          <a:chOff x="0" y="0"/>
+          <a:chExt cx="0" cy="0"/>
+        </a:xfrm>
+      </p:grpSpPr>
+      <p:pic>
+        <p:nvPicPr>
+          <p:cNvPr id="5" name="İçerik Yer Tutucusu 4">
+            <a:extLst>
+              <a:ext uri="{FF2B5EF4-FFF2-40B4-BE49-F238E27FC236}">
+                <a16:creationId xmlns:a16="http://schemas.microsoft.com/office/drawing/2014/main" id="{934300C3-CDDF-DCFB-4C9B-EAA442D6050F}"/>
+              </a:ext>
+            </a:extLst>
+          </p:cNvPr>
+          <p:cNvPicPr>
+            <a:picLocks noGrp="1" noChangeAspect="1"/>
+          </p:cNvPicPr>
+          <p:nvPr>
+            <p:ph idx="1"/>
+          </p:nvPr>
+        </p:nvPicPr>
+        <p:blipFill>
+          <a:blip r:embed="rId2"/>
+          <a:stretch>
+            <a:fillRect/>
+          </a:stretch>
+        </p:blipFill>
+        <p:spPr>
+          <a:xfrm>
+            <a:off x="1235818" y="831515"/>
+            <a:ext cx="9720364" cy="5194969"/>
+          </a:xfrm>
+        </p:spPr>
+      </p:pic>
+    </p:spTree>
+    <p:extLst>
+      <p:ext uri="{BB962C8B-B14F-4D97-AF65-F5344CB8AC3E}">
+        <p14:creationId xmlns:p14="http://schemas.microsoft.com/office/powerpoint/2010/main" val="2453044234"/>
+      </p:ext>
+    </p:extLst>
+  </p:cSld>
+  <p:clrMapOvr>
+    <a:masterClrMapping/>
+  </p:clrMapOvr>
+</p:sld>
+</file>
+
 <file path=ppt/slides/slide2.xml><?xml version="1.0" encoding="utf-8"?>
 <p:sld xmlns:a="http://schemas.openxmlformats.org/drawingml/2006/main" xmlns:r="http://schemas.openxmlformats.org/officeDocument/2006/relationships" xmlns:p="http://schemas.openxmlformats.org/presentationml/2006/main">
   <p:cSld>
@@ -3970,7 +4707,26 @@
           <a:bodyPr/>
           <a:lstStyle/>
           <a:p>
-            <a:endParaRPr lang="tr-TR"/>
+            <a:r>
+              <a:rPr lang="tr-TR" b="1" i="0" dirty="0">
+                <a:solidFill>
+                  <a:schemeClr val="tx1"/>
+                </a:solidFill>
+                <a:effectLst/>
+                <a:latin typeface="Söhne"/>
+              </a:rPr>
+              <a:t>Proje Özellikleri:</a:t>
+            </a:r>
+            <a:br>
+              <a:rPr lang="tr-TR" b="0" i="0" dirty="0">
+                <a:solidFill>
+                  <a:schemeClr val="tx1"/>
+                </a:solidFill>
+                <a:effectLst/>
+                <a:latin typeface="Söhne"/>
+              </a:rPr>
+            </a:br>
+            <a:endParaRPr lang="tr-TR" dirty="0"/>
           </a:p>
         </p:txBody>
       </p:sp>
@@ -3990,12 +4746,101 @@
             <p:ph idx="1"/>
           </p:nvPr>
         </p:nvSpPr>
-        <p:spPr/>
-        <p:txBody>
-          <a:bodyPr/>
+        <p:spPr>
+          <a:xfrm>
+            <a:off x="1219200" y="1660849"/>
+            <a:ext cx="9753600" cy="4206551"/>
+          </a:xfrm>
+        </p:spPr>
+        <p:txBody>
+          <a:bodyPr>
+            <a:normAutofit/>
+          </a:bodyPr>
           <a:lstStyle/>
           <a:p>
-            <a:endParaRPr lang="tr-TR"/>
+            <a:pPr algn="l">
+              <a:buFont typeface="Arial" panose="020B0604020202020204" pitchFamily="34" charset="0"/>
+              <a:buChar char="•"/>
+            </a:pPr>
+            <a:r>
+              <a:rPr lang="tr-TR" sz="2400" b="1" i="0" dirty="0">
+                <a:solidFill>
+                  <a:schemeClr val="tx1"/>
+                </a:solidFill>
+                <a:effectLst/>
+                <a:latin typeface="Söhne"/>
+              </a:rPr>
+              <a:t>Yapılacaklar Listesi:</a:t>
+            </a:r>
+            <a:r>
+              <a:rPr lang="tr-TR" sz="2400" b="0" i="0" dirty="0">
+                <a:solidFill>
+                  <a:schemeClr val="tx1"/>
+                </a:solidFill>
+                <a:effectLst/>
+                <a:latin typeface="Söhne"/>
+              </a:rPr>
+              <a:t> Kullanıcılar, yapacakları görevleri kolayca ekleyebilir, düzenleyebilir ve silebilirler. Görevlerin tamamlanma durumunu işaretleyebilirler.</a:t>
+            </a:r>
+          </a:p>
+          <a:p>
+            <a:pPr algn="l">
+              <a:buFont typeface="Arial" panose="020B0604020202020204" pitchFamily="34" charset="0"/>
+              <a:buChar char="•"/>
+            </a:pPr>
+            <a:r>
+              <a:rPr lang="tr-TR" sz="2400" b="1" i="0" dirty="0">
+                <a:solidFill>
+                  <a:schemeClr val="tx1"/>
+                </a:solidFill>
+                <a:effectLst/>
+                <a:latin typeface="Söhne"/>
+              </a:rPr>
+              <a:t>Tamamlanan Görevler:</a:t>
+            </a:r>
+            <a:r>
+              <a:rPr lang="tr-TR" sz="2400" b="0" i="0" dirty="0">
+                <a:solidFill>
+                  <a:schemeClr val="tx1"/>
+                </a:solidFill>
+                <a:effectLst/>
+                <a:latin typeface="Söhne"/>
+              </a:rPr>
+              <a:t> Kullanıcılar, tamamladıkları görevleri tek tuşla silebilirler.</a:t>
+            </a:r>
+          </a:p>
+          <a:p>
+            <a:pPr algn="l">
+              <a:buFont typeface="Arial" panose="020B0604020202020204" pitchFamily="34" charset="0"/>
+              <a:buChar char="•"/>
+            </a:pPr>
+            <a:r>
+              <a:rPr lang="tr-TR" sz="2400" b="1" i="0" dirty="0">
+                <a:solidFill>
+                  <a:schemeClr val="tx1"/>
+                </a:solidFill>
+                <a:effectLst/>
+                <a:latin typeface="Söhne"/>
+              </a:rPr>
+              <a:t>Görev Düzenleme:</a:t>
+            </a:r>
+            <a:r>
+              <a:rPr lang="tr-TR" sz="2400" b="0" i="0" dirty="0">
+                <a:solidFill>
+                  <a:schemeClr val="tx1"/>
+                </a:solidFill>
+                <a:effectLst/>
+                <a:latin typeface="Söhne"/>
+              </a:rPr>
+              <a:t> Kullanıcılar, görevlerin başlıklarını ve tamamlanma durumlarını düzenleyebilirler.</a:t>
+            </a:r>
+          </a:p>
+          <a:p>
+            <a:endParaRPr lang="tr-TR" sz="2400" dirty="0">
+              <a:solidFill>
+                <a:schemeClr val="tx1"/>
+              </a:solidFill>
+            </a:endParaRPr>
           </a:p>
         </p:txBody>
       </p:sp>
@@ -4034,7 +4879,7 @@
           <p:cNvPr id="2" name="Başlık 1">
             <a:extLst>
               <a:ext uri="{FF2B5EF4-FFF2-40B4-BE49-F238E27FC236}">
-                <a16:creationId xmlns:a16="http://schemas.microsoft.com/office/drawing/2014/main" id="{01D46946-5D61-43F6-0DC8-F94E0FFEF1D5}"/>
+                <a16:creationId xmlns:a16="http://schemas.microsoft.com/office/drawing/2014/main" id="{8F5AE6AB-6C2F-002F-CDEB-B14E0FC2C521}"/>
               </a:ext>
             </a:extLst>
           </p:cNvPr>
@@ -4050,7 +4895,26 @@
           <a:bodyPr/>
           <a:lstStyle/>
           <a:p>
-            <a:endParaRPr lang="tr-TR"/>
+            <a:r>
+              <a:rPr lang="tr-TR" b="1" i="0" dirty="0">
+                <a:solidFill>
+                  <a:schemeClr val="tx1"/>
+                </a:solidFill>
+                <a:effectLst/>
+                <a:latin typeface="Söhne"/>
+              </a:rPr>
+              <a:t>Kullanılan Teknolojiler:</a:t>
+            </a:r>
+            <a:br>
+              <a:rPr lang="tr-TR" b="0" i="0" dirty="0">
+                <a:solidFill>
+                  <a:schemeClr val="tx1"/>
+                </a:solidFill>
+                <a:effectLst/>
+                <a:latin typeface="Söhne"/>
+              </a:rPr>
+            </a:br>
+            <a:endParaRPr lang="tr-TR" dirty="0"/>
           </a:p>
         </p:txBody>
       </p:sp>
@@ -4059,7 +4923,7 @@
           <p:cNvPr id="3" name="İçerik Yer Tutucusu 2">
             <a:extLst>
               <a:ext uri="{FF2B5EF4-FFF2-40B4-BE49-F238E27FC236}">
-                <a16:creationId xmlns:a16="http://schemas.microsoft.com/office/drawing/2014/main" id="{22A6E072-2111-B84B-2356-02043C356011}"/>
+                <a16:creationId xmlns:a16="http://schemas.microsoft.com/office/drawing/2014/main" id="{8ED325EC-76CE-A25F-63B4-A1992558E950}"/>
               </a:ext>
             </a:extLst>
           </p:cNvPr>
@@ -4070,19 +4934,309 @@
             <p:ph idx="1"/>
           </p:nvPr>
         </p:nvSpPr>
-        <p:spPr/>
-        <p:txBody>
-          <a:bodyPr/>
+        <p:spPr>
+          <a:xfrm>
+            <a:off x="1371600" y="1894114"/>
+            <a:ext cx="9601200" cy="3973286"/>
+          </a:xfrm>
+        </p:spPr>
+        <p:txBody>
+          <a:bodyPr>
+            <a:normAutofit/>
+          </a:bodyPr>
           <a:lstStyle/>
           <a:p>
-            <a:endParaRPr lang="tr-TR"/>
+            <a:pPr algn="l">
+              <a:buFont typeface="Arial" panose="020B0604020202020204" pitchFamily="34" charset="0"/>
+              <a:buChar char="•"/>
+            </a:pPr>
+            <a:r>
+              <a:rPr lang="tr-TR" b="1" i="0" dirty="0" err="1">
+                <a:solidFill>
+                  <a:schemeClr val="tx1"/>
+                </a:solidFill>
+                <a:effectLst/>
+                <a:latin typeface="Söhne"/>
+              </a:rPr>
+              <a:t>Frontend</a:t>
+            </a:r>
+            <a:r>
+              <a:rPr lang="tr-TR" b="1" i="0" dirty="0">
+                <a:solidFill>
+                  <a:schemeClr val="tx1"/>
+                </a:solidFill>
+                <a:effectLst/>
+                <a:latin typeface="Söhne"/>
+              </a:rPr>
+              <a:t>:</a:t>
+            </a:r>
+            <a:r>
+              <a:rPr lang="tr-TR" b="0" i="0" dirty="0">
+                <a:solidFill>
+                  <a:schemeClr val="tx1"/>
+                </a:solidFill>
+                <a:effectLst/>
+                <a:latin typeface="Söhne"/>
+              </a:rPr>
+              <a:t> React.js kullanılarak geliştirildi. </a:t>
+            </a:r>
+            <a:r>
+              <a:rPr lang="tr-TR" b="0" i="0" dirty="0" err="1">
+                <a:solidFill>
+                  <a:schemeClr val="tx1"/>
+                </a:solidFill>
+                <a:effectLst/>
+                <a:latin typeface="Söhne"/>
+              </a:rPr>
+              <a:t>React</a:t>
+            </a:r>
+            <a:r>
+              <a:rPr lang="tr-TR" b="0" i="0" dirty="0">
+                <a:solidFill>
+                  <a:schemeClr val="tx1"/>
+                </a:solidFill>
+                <a:effectLst/>
+                <a:latin typeface="Söhne"/>
+              </a:rPr>
+              <a:t>, kullanıcı dostu ve dinamik kullanıcı arayüzleri oluşturmak için kullanılan popüler bir JavaScript kütüphanesidir.</a:t>
+            </a:r>
+          </a:p>
+          <a:p>
+            <a:pPr algn="l">
+              <a:buFont typeface="Arial" panose="020B0604020202020204" pitchFamily="34" charset="0"/>
+              <a:buChar char="•"/>
+            </a:pPr>
+            <a:r>
+              <a:rPr lang="tr-TR" b="1" i="0" dirty="0" err="1">
+                <a:solidFill>
+                  <a:schemeClr val="tx1"/>
+                </a:solidFill>
+                <a:effectLst/>
+                <a:latin typeface="Söhne"/>
+              </a:rPr>
+              <a:t>Backend</a:t>
+            </a:r>
+            <a:r>
+              <a:rPr lang="tr-TR" b="1" i="0" dirty="0">
+                <a:solidFill>
+                  <a:schemeClr val="tx1"/>
+                </a:solidFill>
+                <a:effectLst/>
+                <a:latin typeface="Söhne"/>
+              </a:rPr>
+              <a:t>:</a:t>
+            </a:r>
+            <a:r>
+              <a:rPr lang="tr-TR" b="0" i="0" dirty="0">
+                <a:solidFill>
+                  <a:schemeClr val="tx1"/>
+                </a:solidFill>
+                <a:effectLst/>
+                <a:latin typeface="Söhne"/>
+              </a:rPr>
+              <a:t> Spring </a:t>
+            </a:r>
+            <a:r>
+              <a:rPr lang="tr-TR" b="0" i="0" dirty="0" err="1">
+                <a:solidFill>
+                  <a:schemeClr val="tx1"/>
+                </a:solidFill>
+                <a:effectLst/>
+                <a:latin typeface="Söhne"/>
+              </a:rPr>
+              <a:t>Boot</a:t>
+            </a:r>
+            <a:r>
+              <a:rPr lang="tr-TR" b="0" i="0" dirty="0">
+                <a:solidFill>
+                  <a:schemeClr val="tx1"/>
+                </a:solidFill>
+                <a:effectLst/>
+                <a:latin typeface="Söhne"/>
+              </a:rPr>
+              <a:t> kullanılarak geliştirildi. Spring </a:t>
+            </a:r>
+            <a:r>
+              <a:rPr lang="tr-TR" b="0" i="0" dirty="0" err="1">
+                <a:solidFill>
+                  <a:schemeClr val="tx1"/>
+                </a:solidFill>
+                <a:effectLst/>
+                <a:latin typeface="Söhne"/>
+              </a:rPr>
+              <a:t>Boot</a:t>
+            </a:r>
+            <a:r>
+              <a:rPr lang="tr-TR" b="0" i="0" dirty="0">
+                <a:solidFill>
+                  <a:schemeClr val="tx1"/>
+                </a:solidFill>
+                <a:effectLst/>
+                <a:latin typeface="Söhne"/>
+              </a:rPr>
+              <a:t>, hızlı ve güvenilir bir şekilde Java tabanlı web uygulamaları geliştirmemizi sağlayan bir </a:t>
+            </a:r>
+            <a:r>
+              <a:rPr lang="tr-TR" b="0" i="0" dirty="0" err="1">
+                <a:solidFill>
+                  <a:schemeClr val="tx1"/>
+                </a:solidFill>
+                <a:effectLst/>
+                <a:latin typeface="Söhne"/>
+              </a:rPr>
+              <a:t>framework'tür</a:t>
+            </a:r>
+            <a:r>
+              <a:rPr lang="tr-TR" b="0" i="0" dirty="0">
+                <a:solidFill>
+                  <a:schemeClr val="tx1"/>
+                </a:solidFill>
+                <a:effectLst/>
+                <a:latin typeface="Söhne"/>
+              </a:rPr>
+              <a:t>.</a:t>
+            </a:r>
+          </a:p>
+          <a:p>
+            <a:pPr algn="l">
+              <a:buFont typeface="Arial" panose="020B0604020202020204" pitchFamily="34" charset="0"/>
+              <a:buChar char="•"/>
+            </a:pPr>
+            <a:r>
+              <a:rPr lang="tr-TR" b="1" i="0" dirty="0" err="1">
+                <a:solidFill>
+                  <a:schemeClr val="tx1"/>
+                </a:solidFill>
+                <a:effectLst/>
+                <a:latin typeface="Söhne"/>
+              </a:rPr>
+              <a:t>Veritabanı</a:t>
+            </a:r>
+            <a:r>
+              <a:rPr lang="tr-TR" b="1" i="0" dirty="0">
+                <a:solidFill>
+                  <a:schemeClr val="tx1"/>
+                </a:solidFill>
+                <a:effectLst/>
+                <a:latin typeface="Söhne"/>
+              </a:rPr>
+              <a:t>:</a:t>
+            </a:r>
+            <a:r>
+              <a:rPr lang="tr-TR" b="0" i="0" dirty="0">
+                <a:solidFill>
+                  <a:schemeClr val="tx1"/>
+                </a:solidFill>
+                <a:effectLst/>
+                <a:latin typeface="Söhne"/>
+              </a:rPr>
+              <a:t> MySQL kullanıldı. MySQL, verilerin güvenli ve düzenli bir şekilde depolanmasını sağlar.</a:t>
+            </a:r>
+          </a:p>
+          <a:p>
+            <a:pPr algn="l">
+              <a:buFont typeface="Arial" panose="020B0604020202020204" pitchFamily="34" charset="0"/>
+              <a:buChar char="•"/>
+            </a:pPr>
+            <a:r>
+              <a:rPr lang="tr-TR" b="1" i="0" dirty="0">
+                <a:solidFill>
+                  <a:schemeClr val="tx1"/>
+                </a:solidFill>
+                <a:effectLst/>
+                <a:latin typeface="Söhne"/>
+              </a:rPr>
+              <a:t>Veri İletişimi:</a:t>
+            </a:r>
+            <a:r>
+              <a:rPr lang="tr-TR" b="0" i="0" dirty="0">
+                <a:solidFill>
+                  <a:schemeClr val="tx1"/>
+                </a:solidFill>
+                <a:effectLst/>
+                <a:latin typeface="Söhne"/>
+              </a:rPr>
+              <a:t> </a:t>
+            </a:r>
+            <a:r>
+              <a:rPr lang="tr-TR" b="0" i="0" dirty="0" err="1">
+                <a:solidFill>
+                  <a:schemeClr val="tx1"/>
+                </a:solidFill>
+                <a:effectLst/>
+                <a:latin typeface="Söhne"/>
+              </a:rPr>
+              <a:t>Axios</a:t>
+            </a:r>
+            <a:r>
+              <a:rPr lang="tr-TR" b="0" i="0" dirty="0">
+                <a:solidFill>
+                  <a:schemeClr val="tx1"/>
+                </a:solidFill>
+                <a:effectLst/>
+                <a:latin typeface="Söhne"/>
+              </a:rPr>
+              <a:t> ve REST API kullanılarak </a:t>
+            </a:r>
+            <a:r>
+              <a:rPr lang="tr-TR" b="0" i="0" dirty="0" err="1">
+                <a:solidFill>
+                  <a:schemeClr val="tx1"/>
+                </a:solidFill>
+                <a:effectLst/>
+                <a:latin typeface="Söhne"/>
+              </a:rPr>
+              <a:t>frontend</a:t>
+            </a:r>
+            <a:r>
+              <a:rPr lang="tr-TR" b="0" i="0" dirty="0">
+                <a:solidFill>
+                  <a:schemeClr val="tx1"/>
+                </a:solidFill>
+                <a:effectLst/>
+                <a:latin typeface="Söhne"/>
+              </a:rPr>
+              <a:t> ve </a:t>
+            </a:r>
+            <a:r>
+              <a:rPr lang="tr-TR" b="0" i="0" dirty="0" err="1">
+                <a:solidFill>
+                  <a:schemeClr val="tx1"/>
+                </a:solidFill>
+                <a:effectLst/>
+                <a:latin typeface="Söhne"/>
+              </a:rPr>
+              <a:t>backend</a:t>
+            </a:r>
+            <a:r>
+              <a:rPr lang="tr-TR" b="0" i="0" dirty="0">
+                <a:solidFill>
+                  <a:schemeClr val="tx1"/>
+                </a:solidFill>
+                <a:effectLst/>
+                <a:latin typeface="Söhne"/>
+              </a:rPr>
+              <a:t> arasında veri iletişimi sağlandı.</a:t>
+            </a:r>
+            <a:br>
+              <a:rPr lang="tr-TR" dirty="0">
+                <a:solidFill>
+                  <a:schemeClr val="tx1"/>
+                </a:solidFill>
+              </a:rPr>
+            </a:br>
+            <a:endParaRPr lang="tr-TR" dirty="0">
+              <a:solidFill>
+                <a:schemeClr val="tx1"/>
+              </a:solidFill>
+            </a:endParaRPr>
           </a:p>
         </p:txBody>
       </p:sp>
     </p:spTree>
     <p:extLst>
       <p:ext uri="{BB962C8B-B14F-4D97-AF65-F5344CB8AC3E}">
-        <p14:creationId xmlns:p14="http://schemas.microsoft.com/office/powerpoint/2010/main" val="4288569160"/>
+        <p14:creationId xmlns:p14="http://schemas.microsoft.com/office/powerpoint/2010/main" val="2168700282"/>
       </p:ext>
     </p:extLst>
   </p:cSld>
@@ -4114,7 +5268,7 @@
           <p:cNvPr id="2" name="Başlık 1">
             <a:extLst>
               <a:ext uri="{FF2B5EF4-FFF2-40B4-BE49-F238E27FC236}">
-                <a16:creationId xmlns:a16="http://schemas.microsoft.com/office/drawing/2014/main" id="{8F5AE6AB-6C2F-002F-CDEB-B14E0FC2C521}"/>
+                <a16:creationId xmlns:a16="http://schemas.microsoft.com/office/drawing/2014/main" id="{3C790E5B-8F71-FDA1-32A8-FAAD7D5DF753}"/>
               </a:ext>
             </a:extLst>
           </p:cNvPr>
@@ -4130,39 +5284,560 @@
           <a:bodyPr/>
           <a:lstStyle/>
           <a:p>
-            <a:endParaRPr lang="tr-TR"/>
-          </a:p>
-        </p:txBody>
-      </p:sp>
-      <p:sp>
-        <p:nvSpPr>
-          <p:cNvPr id="3" name="İçerik Yer Tutucusu 2">
+            <a:r>
+              <a:rPr lang="tr-TR" dirty="0" err="1"/>
+              <a:t>Package</a:t>
+            </a:r>
+            <a:r>
+              <a:rPr lang="tr-TR" dirty="0"/>
+              <a:t> </a:t>
+            </a:r>
+            <a:br>
+              <a:rPr lang="tr-TR" dirty="0"/>
+            </a:br>
+            <a:r>
+              <a:rPr lang="tr-TR" dirty="0"/>
+              <a:t>Yapısı : </a:t>
+            </a:r>
+          </a:p>
+        </p:txBody>
+      </p:sp>
+      <p:pic>
+        <p:nvPicPr>
+          <p:cNvPr id="5" name="İçerik Yer Tutucusu 4">
             <a:extLst>
               <a:ext uri="{FF2B5EF4-FFF2-40B4-BE49-F238E27FC236}">
-                <a16:creationId xmlns:a16="http://schemas.microsoft.com/office/drawing/2014/main" id="{8ED325EC-76CE-A25F-63B4-A1992558E950}"/>
+                <a16:creationId xmlns:a16="http://schemas.microsoft.com/office/drawing/2014/main" id="{E58F76FE-7E32-F82B-A99B-894A80C364D6}"/>
               </a:ext>
             </a:extLst>
           </p:cNvPr>
-          <p:cNvSpPr>
-            <a:spLocks noGrp="1"/>
-          </p:cNvSpPr>
+          <p:cNvPicPr>
+            <a:picLocks noGrp="1" noChangeAspect="1"/>
+          </p:cNvPicPr>
           <p:nvPr>
             <p:ph idx="1"/>
           </p:nvPr>
-        </p:nvSpPr>
-        <p:spPr/>
-        <p:txBody>
-          <a:bodyPr/>
-          <a:lstStyle/>
-          <a:p>
-            <a:endParaRPr lang="tr-TR"/>
-          </a:p>
-        </p:txBody>
-      </p:sp>
+        </p:nvPicPr>
+        <p:blipFill>
+          <a:blip r:embed="rId2"/>
+          <a:stretch>
+            <a:fillRect/>
+          </a:stretch>
+        </p:blipFill>
+        <p:spPr>
+          <a:xfrm>
+            <a:off x="5290458" y="574440"/>
+            <a:ext cx="3285793" cy="5597760"/>
+          </a:xfrm>
+        </p:spPr>
+      </p:pic>
     </p:spTree>
     <p:extLst>
       <p:ext uri="{BB962C8B-B14F-4D97-AF65-F5344CB8AC3E}">
-        <p14:creationId xmlns:p14="http://schemas.microsoft.com/office/powerpoint/2010/main" val="2168700282"/>
+        <p14:creationId xmlns:p14="http://schemas.microsoft.com/office/powerpoint/2010/main" val="777432481"/>
+      </p:ext>
+    </p:extLst>
+  </p:cSld>
+  <p:clrMapOvr>
+    <a:masterClrMapping/>
+  </p:clrMapOvr>
+</p:sld>
+</file>
+
+<file path=ppt/slides/slide5.xml><?xml version="1.0" encoding="utf-8"?>
+<p:sld xmlns:a="http://schemas.openxmlformats.org/drawingml/2006/main" xmlns:r="http://schemas.openxmlformats.org/officeDocument/2006/relationships" xmlns:p="http://schemas.openxmlformats.org/presentationml/2006/main">
+  <p:cSld>
+    <p:spTree>
+      <p:nvGrpSpPr>
+        <p:cNvPr id="1" name=""/>
+        <p:cNvGrpSpPr/>
+        <p:nvPr/>
+      </p:nvGrpSpPr>
+      <p:grpSpPr>
+        <a:xfrm>
+          <a:off x="0" y="0"/>
+          <a:ext cx="0" cy="0"/>
+          <a:chOff x="0" y="0"/>
+          <a:chExt cx="0" cy="0"/>
+        </a:xfrm>
+      </p:grpSpPr>
+      <p:sp>
+        <p:nvSpPr>
+          <p:cNvPr id="2" name="Başlık 1">
+            <a:extLst>
+              <a:ext uri="{FF2B5EF4-FFF2-40B4-BE49-F238E27FC236}">
+                <a16:creationId xmlns:a16="http://schemas.microsoft.com/office/drawing/2014/main" id="{A15F4E91-66F1-E383-0F10-FED932017138}"/>
+              </a:ext>
+            </a:extLst>
+          </p:cNvPr>
+          <p:cNvSpPr>
+            <a:spLocks noGrp="1"/>
+          </p:cNvSpPr>
+          <p:nvPr>
+            <p:ph type="title"/>
+          </p:nvPr>
+        </p:nvSpPr>
+        <p:spPr>
+          <a:xfrm>
+            <a:off x="1219200" y="424543"/>
+            <a:ext cx="9601200" cy="1485900"/>
+          </a:xfrm>
+        </p:spPr>
+        <p:txBody>
+          <a:bodyPr/>
+          <a:lstStyle/>
+          <a:p>
+            <a:r>
+              <a:rPr lang="tr-TR" dirty="0" err="1"/>
+              <a:t>Entity</a:t>
+            </a:r>
+            <a:endParaRPr lang="tr-TR" dirty="0"/>
+          </a:p>
+        </p:txBody>
+      </p:sp>
+      <p:pic>
+        <p:nvPicPr>
+          <p:cNvPr id="5" name="İçerik Yer Tutucusu 4">
+            <a:extLst>
+              <a:ext uri="{FF2B5EF4-FFF2-40B4-BE49-F238E27FC236}">
+                <a16:creationId xmlns:a16="http://schemas.microsoft.com/office/drawing/2014/main" id="{95E8879D-CE9D-C113-D90A-33790D846B92}"/>
+              </a:ext>
+            </a:extLst>
+          </p:cNvPr>
+          <p:cNvPicPr>
+            <a:picLocks noGrp="1" noChangeAspect="1"/>
+          </p:cNvPicPr>
+          <p:nvPr>
+            <p:ph idx="1"/>
+          </p:nvPr>
+        </p:nvPicPr>
+        <p:blipFill>
+          <a:blip r:embed="rId2"/>
+          <a:stretch>
+            <a:fillRect/>
+          </a:stretch>
+        </p:blipFill>
+        <p:spPr>
+          <a:xfrm>
+            <a:off x="1157713" y="1575318"/>
+            <a:ext cx="9662687" cy="4778829"/>
+          </a:xfrm>
+        </p:spPr>
+      </p:pic>
+    </p:spTree>
+    <p:extLst>
+      <p:ext uri="{BB962C8B-B14F-4D97-AF65-F5344CB8AC3E}">
+        <p14:creationId xmlns:p14="http://schemas.microsoft.com/office/powerpoint/2010/main" val="559497302"/>
+      </p:ext>
+    </p:extLst>
+  </p:cSld>
+  <p:clrMapOvr>
+    <a:masterClrMapping/>
+  </p:clrMapOvr>
+</p:sld>
+</file>
+
+<file path=ppt/slides/slide6.xml><?xml version="1.0" encoding="utf-8"?>
+<p:sld xmlns:a="http://schemas.openxmlformats.org/drawingml/2006/main" xmlns:r="http://schemas.openxmlformats.org/officeDocument/2006/relationships" xmlns:p="http://schemas.openxmlformats.org/presentationml/2006/main">
+  <p:cSld>
+    <p:spTree>
+      <p:nvGrpSpPr>
+        <p:cNvPr id="1" name=""/>
+        <p:cNvGrpSpPr/>
+        <p:nvPr/>
+      </p:nvGrpSpPr>
+      <p:grpSpPr>
+        <a:xfrm>
+          <a:off x="0" y="0"/>
+          <a:ext cx="0" cy="0"/>
+          <a:chOff x="0" y="0"/>
+          <a:chExt cx="0" cy="0"/>
+        </a:xfrm>
+      </p:grpSpPr>
+      <p:sp>
+        <p:nvSpPr>
+          <p:cNvPr id="2" name="Başlık 1">
+            <a:extLst>
+              <a:ext uri="{FF2B5EF4-FFF2-40B4-BE49-F238E27FC236}">
+                <a16:creationId xmlns:a16="http://schemas.microsoft.com/office/drawing/2014/main" id="{421D6922-7ED1-904F-D13D-4A2E7E9454E4}"/>
+              </a:ext>
+            </a:extLst>
+          </p:cNvPr>
+          <p:cNvSpPr>
+            <a:spLocks noGrp="1"/>
+          </p:cNvSpPr>
+          <p:nvPr>
+            <p:ph type="title"/>
+          </p:nvPr>
+        </p:nvSpPr>
+        <p:spPr>
+          <a:xfrm>
+            <a:off x="3032449" y="754853"/>
+            <a:ext cx="2957804" cy="1485900"/>
+          </a:xfrm>
+        </p:spPr>
+        <p:txBody>
+          <a:bodyPr/>
+          <a:lstStyle/>
+          <a:p>
+            <a:r>
+              <a:rPr lang="tr-TR" dirty="0"/>
+              <a:t>DTO</a:t>
+            </a:r>
+          </a:p>
+        </p:txBody>
+      </p:sp>
+      <p:pic>
+        <p:nvPicPr>
+          <p:cNvPr id="5" name="İçerik Yer Tutucusu 4">
+            <a:extLst>
+              <a:ext uri="{FF2B5EF4-FFF2-40B4-BE49-F238E27FC236}">
+                <a16:creationId xmlns:a16="http://schemas.microsoft.com/office/drawing/2014/main" id="{A46F88B3-3986-3DAE-FDE6-B4B668B2266D}"/>
+              </a:ext>
+            </a:extLst>
+          </p:cNvPr>
+          <p:cNvPicPr>
+            <a:picLocks noGrp="1" noChangeAspect="1"/>
+          </p:cNvPicPr>
+          <p:nvPr>
+            <p:ph idx="1"/>
+          </p:nvPr>
+        </p:nvPicPr>
+        <p:blipFill>
+          <a:blip r:embed="rId2"/>
+          <a:stretch>
+            <a:fillRect/>
+          </a:stretch>
+        </p:blipFill>
+        <p:spPr>
+          <a:xfrm>
+            <a:off x="6267665" y="685800"/>
+            <a:ext cx="3877216" cy="3296110"/>
+          </a:xfrm>
+        </p:spPr>
+      </p:pic>
+      <p:pic>
+        <p:nvPicPr>
+          <p:cNvPr id="7" name="Resim 6">
+            <a:extLst>
+              <a:ext uri="{FF2B5EF4-FFF2-40B4-BE49-F238E27FC236}">
+                <a16:creationId xmlns:a16="http://schemas.microsoft.com/office/drawing/2014/main" id="{F5A550C8-8942-303B-1E10-E1130509B9BA}"/>
+              </a:ext>
+            </a:extLst>
+          </p:cNvPr>
+          <p:cNvPicPr>
+            <a:picLocks noChangeAspect="1"/>
+          </p:cNvPicPr>
+          <p:nvPr/>
+        </p:nvPicPr>
+        <p:blipFill>
+          <a:blip r:embed="rId3"/>
+          <a:stretch>
+            <a:fillRect/>
+          </a:stretch>
+        </p:blipFill>
+        <p:spPr>
+          <a:xfrm>
+            <a:off x="4276672" y="4376501"/>
+            <a:ext cx="7706801" cy="2000529"/>
+          </a:xfrm>
+          <a:prstGeom prst="rect">
+            <a:avLst/>
+          </a:prstGeom>
+        </p:spPr>
+      </p:pic>
+      <p:sp>
+        <p:nvSpPr>
+          <p:cNvPr id="8" name="Başlık 1">
+            <a:extLst>
+              <a:ext uri="{FF2B5EF4-FFF2-40B4-BE49-F238E27FC236}">
+                <a16:creationId xmlns:a16="http://schemas.microsoft.com/office/drawing/2014/main" id="{5EA7A136-420E-F222-33E0-136CA0F00749}"/>
+              </a:ext>
+            </a:extLst>
+          </p:cNvPr>
+          <p:cNvSpPr txBox="1">
+            <a:spLocks/>
+          </p:cNvSpPr>
+          <p:nvPr/>
+        </p:nvSpPr>
+        <p:spPr>
+          <a:xfrm>
+            <a:off x="1203649" y="3795706"/>
+            <a:ext cx="9601200" cy="1485900"/>
+          </a:xfrm>
+          <a:prstGeom prst="rect">
+            <a:avLst/>
+          </a:prstGeom>
+        </p:spPr>
+        <p:txBody>
+          <a:bodyPr vert="horz" lIns="91440" tIns="45720" rIns="91440" bIns="45720" rtlCol="0" anchor="t">
+            <a:normAutofit/>
+          </a:bodyPr>
+          <a:lstStyle>
+            <a:lvl1pPr algn="l" defTabSz="914400" rtl="0" eaLnBrk="1" latinLnBrk="0" hangingPunct="1">
+              <a:lnSpc>
+                <a:spcPct val="89000"/>
+              </a:lnSpc>
+              <a:spcBef>
+                <a:spcPct val="0"/>
+              </a:spcBef>
+              <a:buNone/>
+              <a:defRPr sz="4400" kern="1200" baseline="0">
+                <a:solidFill>
+                  <a:schemeClr val="tx2"/>
+                </a:solidFill>
+                <a:latin typeface="+mj-lt"/>
+                <a:ea typeface="+mj-ea"/>
+                <a:cs typeface="+mj-cs"/>
+              </a:defRPr>
+            </a:lvl1pPr>
+          </a:lstStyle>
+          <a:p>
+            <a:r>
+              <a:rPr lang="tr-TR" dirty="0" err="1"/>
+              <a:t>Repository</a:t>
+            </a:r>
+            <a:endParaRPr lang="tr-TR" dirty="0"/>
+          </a:p>
+        </p:txBody>
+      </p:sp>
+    </p:spTree>
+    <p:extLst>
+      <p:ext uri="{BB962C8B-B14F-4D97-AF65-F5344CB8AC3E}">
+        <p14:creationId xmlns:p14="http://schemas.microsoft.com/office/powerpoint/2010/main" val="3736928718"/>
+      </p:ext>
+    </p:extLst>
+  </p:cSld>
+  <p:clrMapOvr>
+    <a:masterClrMapping/>
+  </p:clrMapOvr>
+</p:sld>
+</file>
+
+<file path=ppt/slides/slide7.xml><?xml version="1.0" encoding="utf-8"?>
+<p:sld xmlns:a="http://schemas.openxmlformats.org/drawingml/2006/main" xmlns:r="http://schemas.openxmlformats.org/officeDocument/2006/relationships" xmlns:p="http://schemas.openxmlformats.org/presentationml/2006/main">
+  <p:cSld>
+    <p:spTree>
+      <p:nvGrpSpPr>
+        <p:cNvPr id="1" name=""/>
+        <p:cNvGrpSpPr/>
+        <p:nvPr/>
+      </p:nvGrpSpPr>
+      <p:grpSpPr>
+        <a:xfrm>
+          <a:off x="0" y="0"/>
+          <a:ext cx="0" cy="0"/>
+          <a:chOff x="0" y="0"/>
+          <a:chExt cx="0" cy="0"/>
+        </a:xfrm>
+      </p:grpSpPr>
+      <p:sp>
+        <p:nvSpPr>
+          <p:cNvPr id="2" name="Başlık 1">
+            <a:extLst>
+              <a:ext uri="{FF2B5EF4-FFF2-40B4-BE49-F238E27FC236}">
+                <a16:creationId xmlns:a16="http://schemas.microsoft.com/office/drawing/2014/main" id="{EE91BD85-E76A-2150-20F3-7B61E2D5DD55}"/>
+              </a:ext>
+            </a:extLst>
+          </p:cNvPr>
+          <p:cNvSpPr>
+            <a:spLocks noGrp="1"/>
+          </p:cNvSpPr>
+          <p:nvPr>
+            <p:ph type="title"/>
+          </p:nvPr>
+        </p:nvSpPr>
+        <p:spPr/>
+        <p:txBody>
+          <a:bodyPr/>
+          <a:lstStyle/>
+          <a:p>
+            <a:r>
+              <a:rPr lang="tr-TR" dirty="0"/>
+              <a:t>Service</a:t>
+            </a:r>
+          </a:p>
+        </p:txBody>
+      </p:sp>
+      <p:pic>
+        <p:nvPicPr>
+          <p:cNvPr id="5" name="İçerik Yer Tutucusu 4">
+            <a:extLst>
+              <a:ext uri="{FF2B5EF4-FFF2-40B4-BE49-F238E27FC236}">
+                <a16:creationId xmlns:a16="http://schemas.microsoft.com/office/drawing/2014/main" id="{663BB395-5206-0861-E8B6-FD6BCBE0611C}"/>
+              </a:ext>
+            </a:extLst>
+          </p:cNvPr>
+          <p:cNvPicPr>
+            <a:picLocks noGrp="1" noChangeAspect="1"/>
+          </p:cNvPicPr>
+          <p:nvPr>
+            <p:ph idx="1"/>
+          </p:nvPr>
+        </p:nvPicPr>
+        <p:blipFill>
+          <a:blip r:embed="rId2"/>
+          <a:stretch>
+            <a:fillRect/>
+          </a:stretch>
+        </p:blipFill>
+        <p:spPr>
+          <a:xfrm>
+            <a:off x="1828436" y="1987421"/>
+            <a:ext cx="8991964" cy="3581400"/>
+          </a:xfrm>
+        </p:spPr>
+      </p:pic>
+    </p:spTree>
+    <p:extLst>
+      <p:ext uri="{BB962C8B-B14F-4D97-AF65-F5344CB8AC3E}">
+        <p14:creationId xmlns:p14="http://schemas.microsoft.com/office/powerpoint/2010/main" val="4282193372"/>
+      </p:ext>
+    </p:extLst>
+  </p:cSld>
+  <p:clrMapOvr>
+    <a:masterClrMapping/>
+  </p:clrMapOvr>
+</p:sld>
+</file>
+
+<file path=ppt/slides/slide8.xml><?xml version="1.0" encoding="utf-8"?>
+<p:sld xmlns:a="http://schemas.openxmlformats.org/drawingml/2006/main" xmlns:r="http://schemas.openxmlformats.org/officeDocument/2006/relationships" xmlns:p="http://schemas.openxmlformats.org/presentationml/2006/main">
+  <p:cSld>
+    <p:spTree>
+      <p:nvGrpSpPr>
+        <p:cNvPr id="1" name=""/>
+        <p:cNvGrpSpPr/>
+        <p:nvPr/>
+      </p:nvGrpSpPr>
+      <p:grpSpPr>
+        <a:xfrm>
+          <a:off x="0" y="0"/>
+          <a:ext cx="0" cy="0"/>
+          <a:chOff x="0" y="0"/>
+          <a:chExt cx="0" cy="0"/>
+        </a:xfrm>
+      </p:grpSpPr>
+      <p:pic>
+        <p:nvPicPr>
+          <p:cNvPr id="10" name="İçerik Yer Tutucusu 9">
+            <a:extLst>
+              <a:ext uri="{FF2B5EF4-FFF2-40B4-BE49-F238E27FC236}">
+                <a16:creationId xmlns:a16="http://schemas.microsoft.com/office/drawing/2014/main" id="{A95110B7-3EF0-4A70-728E-7A201A986833}"/>
+              </a:ext>
+            </a:extLst>
+          </p:cNvPr>
+          <p:cNvPicPr>
+            <a:picLocks noGrp="1" noChangeAspect="1"/>
+          </p:cNvPicPr>
+          <p:nvPr>
+            <p:ph idx="1"/>
+          </p:nvPr>
+        </p:nvPicPr>
+        <p:blipFill>
+          <a:blip r:embed="rId2"/>
+          <a:stretch>
+            <a:fillRect/>
+          </a:stretch>
+        </p:blipFill>
+        <p:spPr>
+          <a:xfrm>
+            <a:off x="1869232" y="382554"/>
+            <a:ext cx="8453536" cy="6092892"/>
+          </a:xfrm>
+          <a:prstGeom prst="rect">
+            <a:avLst/>
+          </a:prstGeom>
+        </p:spPr>
+      </p:pic>
+    </p:spTree>
+    <p:extLst>
+      <p:ext uri="{BB962C8B-B14F-4D97-AF65-F5344CB8AC3E}">
+        <p14:creationId xmlns:p14="http://schemas.microsoft.com/office/powerpoint/2010/main" val="3723733554"/>
+      </p:ext>
+    </p:extLst>
+  </p:cSld>
+  <p:clrMapOvr>
+    <a:masterClrMapping/>
+  </p:clrMapOvr>
+</p:sld>
+</file>
+
+<file path=ppt/slides/slide9.xml><?xml version="1.0" encoding="utf-8"?>
+<p:sld xmlns:a="http://schemas.openxmlformats.org/drawingml/2006/main" xmlns:r="http://schemas.openxmlformats.org/officeDocument/2006/relationships" xmlns:p="http://schemas.openxmlformats.org/presentationml/2006/main">
+  <p:cSld>
+    <p:spTree>
+      <p:nvGrpSpPr>
+        <p:cNvPr id="1" name=""/>
+        <p:cNvGrpSpPr/>
+        <p:nvPr/>
+      </p:nvGrpSpPr>
+      <p:grpSpPr>
+        <a:xfrm>
+          <a:off x="0" y="0"/>
+          <a:ext cx="0" cy="0"/>
+          <a:chOff x="0" y="0"/>
+          <a:chExt cx="0" cy="0"/>
+        </a:xfrm>
+      </p:grpSpPr>
+      <p:sp>
+        <p:nvSpPr>
+          <p:cNvPr id="2" name="Başlık 1">
+            <a:extLst>
+              <a:ext uri="{FF2B5EF4-FFF2-40B4-BE49-F238E27FC236}">
+                <a16:creationId xmlns:a16="http://schemas.microsoft.com/office/drawing/2014/main" id="{B591A379-5AC6-D55D-ED88-DF610B1B868A}"/>
+              </a:ext>
+            </a:extLst>
+          </p:cNvPr>
+          <p:cNvSpPr>
+            <a:spLocks noGrp="1"/>
+          </p:cNvSpPr>
+          <p:nvPr>
+            <p:ph type="title"/>
+          </p:nvPr>
+        </p:nvSpPr>
+        <p:spPr/>
+        <p:txBody>
+          <a:bodyPr/>
+          <a:lstStyle/>
+          <a:p>
+            <a:endParaRPr lang="tr-TR"/>
+          </a:p>
+        </p:txBody>
+      </p:sp>
+      <p:pic>
+        <p:nvPicPr>
+          <p:cNvPr id="9" name="İçerik Yer Tutucusu 8">
+            <a:extLst>
+              <a:ext uri="{FF2B5EF4-FFF2-40B4-BE49-F238E27FC236}">
+                <a16:creationId xmlns:a16="http://schemas.microsoft.com/office/drawing/2014/main" id="{3987AAC8-F2D2-C572-C3B9-28AEAF0CA080}"/>
+              </a:ext>
+            </a:extLst>
+          </p:cNvPr>
+          <p:cNvPicPr>
+            <a:picLocks noGrp="1" noChangeAspect="1"/>
+          </p:cNvPicPr>
+          <p:nvPr>
+            <p:ph idx="1"/>
+          </p:nvPr>
+        </p:nvPicPr>
+        <p:blipFill>
+          <a:blip r:embed="rId2"/>
+          <a:stretch>
+            <a:fillRect/>
+          </a:stretch>
+        </p:blipFill>
+        <p:spPr>
+          <a:xfrm>
+            <a:off x="2234105" y="271223"/>
+            <a:ext cx="8113543" cy="6315554"/>
+          </a:xfrm>
+        </p:spPr>
+      </p:pic>
+    </p:spTree>
+    <p:extLst>
+      <p:ext uri="{BB962C8B-B14F-4D97-AF65-F5344CB8AC3E}">
+        <p14:creationId xmlns:p14="http://schemas.microsoft.com/office/powerpoint/2010/main" val="1207569413"/>
       </p:ext>
     </p:extLst>
   </p:cSld>
